--- a/영화 데이터 분석 및 장르 관객수 예측.pptx
+++ b/영화 데이터 분석 및 장르 관객수 예측.pptx
@@ -236,7 +236,7 @@
           <a:p>
             <a:fld id="{684ABEAC-FD1E-446D-854E-09142DFB339C}" type="datetimeFigureOut">
               <a:rPr lang="ko-KR" altLang="en-US" smtClean="0"/>
-              <a:t>2025-01-17</a:t>
+              <a:t>2025-01-20</a:t>
             </a:fld>
             <a:endParaRPr lang="ko-KR" altLang="en-US"/>
           </a:p>
@@ -401,7 +401,7 @@
           <a:p>
             <a:fld id="{E299D967-67B2-4132-B52D-A253871A1F24}" type="datetimeFigureOut">
               <a:rPr lang="ko-KR" altLang="en-US" smtClean="0"/>
-              <a:t>2025-01-17</a:t>
+              <a:t>2025-01-20</a:t>
             </a:fld>
             <a:endParaRPr lang="ko-KR" altLang="en-US"/>
           </a:p>
@@ -1243,7 +1243,7 @@
           <a:p>
             <a:fld id="{20303F18-CB98-4E85-A37B-EF5A4E6C8DE7}" type="datetime1">
               <a:rPr lang="ko-KR" altLang="en-US" smtClean="0"/>
-              <a:t>2025-01-17</a:t>
+              <a:t>2025-01-20</a:t>
             </a:fld>
             <a:endParaRPr lang="ko-KR" altLang="en-US"/>
           </a:p>
@@ -1416,7 +1416,7 @@
           <a:p>
             <a:fld id="{CCA16C65-58A5-46D5-A762-12670B92641B}" type="datetime1">
               <a:rPr lang="ko-KR" altLang="en-US" smtClean="0"/>
-              <a:t>2025-01-17</a:t>
+              <a:t>2025-01-20</a:t>
             </a:fld>
             <a:endParaRPr lang="ko-KR" altLang="en-US"/>
           </a:p>
@@ -1594,7 +1594,7 @@
           <a:p>
             <a:fld id="{2D09A68A-AC6E-41FE-B28C-2BB812CC2E01}" type="datetime1">
               <a:rPr lang="ko-KR" altLang="en-US" smtClean="0"/>
-              <a:t>2025-01-17</a:t>
+              <a:t>2025-01-20</a:t>
             </a:fld>
             <a:endParaRPr lang="ko-KR" altLang="en-US"/>
           </a:p>
@@ -1762,7 +1762,7 @@
           <a:p>
             <a:fld id="{690B8B09-A0F3-4880-B090-7FDDEE5B5065}" type="datetime1">
               <a:rPr lang="ko-KR" altLang="en-US" smtClean="0"/>
-              <a:t>2025-01-17</a:t>
+              <a:t>2025-01-20</a:t>
             </a:fld>
             <a:endParaRPr lang="ko-KR" altLang="en-US"/>
           </a:p>
@@ -2007,7 +2007,7 @@
           <a:p>
             <a:fld id="{82F7D3F4-816B-4FA6-91FC-91836ECD0E53}" type="datetime1">
               <a:rPr lang="ko-KR" altLang="en-US" smtClean="0"/>
-              <a:t>2025-01-17</a:t>
+              <a:t>2025-01-20</a:t>
             </a:fld>
             <a:endParaRPr lang="ko-KR" altLang="en-US"/>
           </a:p>
@@ -2292,7 +2292,7 @@
           <a:p>
             <a:fld id="{2FB9FCFF-984A-4549-AB53-391F9EC1244A}" type="datetime1">
               <a:rPr lang="ko-KR" altLang="en-US" smtClean="0"/>
-              <a:t>2025-01-17</a:t>
+              <a:t>2025-01-20</a:t>
             </a:fld>
             <a:endParaRPr lang="ko-KR" altLang="en-US"/>
           </a:p>
@@ -2711,7 +2711,7 @@
           <a:p>
             <a:fld id="{94618DE4-C4FE-4171-90C7-38CF01638033}" type="datetime1">
               <a:rPr lang="ko-KR" altLang="en-US" smtClean="0"/>
-              <a:t>2025-01-17</a:t>
+              <a:t>2025-01-20</a:t>
             </a:fld>
             <a:endParaRPr lang="ko-KR" altLang="en-US"/>
           </a:p>
@@ -2828,7 +2828,7 @@
           <a:p>
             <a:fld id="{33587621-9D18-4C20-9B84-3E938621A025}" type="datetime1">
               <a:rPr lang="ko-KR" altLang="en-US" smtClean="0"/>
-              <a:t>2025-01-17</a:t>
+              <a:t>2025-01-20</a:t>
             </a:fld>
             <a:endParaRPr lang="ko-KR" altLang="en-US"/>
           </a:p>
@@ -3273,7 +3273,7 @@
           <a:p>
             <a:fld id="{B517649B-2577-404C-858E-51E9DEBB2548}" type="datetime1">
               <a:rPr lang="ko-KR" altLang="en-US" smtClean="0"/>
-              <a:t>2025-01-17</a:t>
+              <a:t>2025-01-20</a:t>
             </a:fld>
             <a:endParaRPr lang="ko-KR" altLang="en-US"/>
           </a:p>
@@ -3525,7 +3525,7 @@
           <a:p>
             <a:fld id="{8D84C674-EF46-4F27-9E3E-4F6A170B0DC6}" type="datetime1">
               <a:rPr lang="ko-KR" altLang="en-US" smtClean="0"/>
-              <a:t>2025-01-17</a:t>
+              <a:t>2025-01-20</a:t>
             </a:fld>
             <a:endParaRPr lang="ko-KR" altLang="en-US"/>
           </a:p>
@@ -3736,7 +3736,7 @@
           <a:p>
             <a:fld id="{B40F11ED-9D7B-4CCE-A57D-CC1D7760FB25}" type="datetime1">
               <a:rPr lang="ko-KR" altLang="en-US" smtClean="0"/>
-              <a:t>2025-01-17</a:t>
+              <a:t>2025-01-20</a:t>
             </a:fld>
             <a:endParaRPr lang="ko-KR" altLang="en-US"/>
           </a:p>
@@ -7206,13 +7206,13 @@
                 <a:defRPr/>
               </a:pPr>
               <a:r>
-                <a:rPr lang="en-US" altLang="ko-KR" sz="1200">
+                <a:rPr lang="en-US" altLang="ko-KR" sz="1200" dirty="0">
                   <a:solidFill>
                     <a:srgbClr val="3F3F48"/>
                   </a:solidFill>
                   <a:latin typeface="+mn-ea"/>
                 </a:rPr>
-                <a:t>Python 3.10.5</a:t>
+                <a:t>Python 3.10.9</a:t>
               </a:r>
               <a:endParaRPr kumimoji="0" lang="en-US" altLang="ko-KR" sz="1200" dirty="0">
                 <a:solidFill>
@@ -7234,8 +7234,8 @@
         </p:nvGrpSpPr>
         <p:grpSpPr bwMode="auto">
           <a:xfrm>
-            <a:off x="827088" y="3003798"/>
-            <a:ext cx="7364412" cy="1152128"/>
+            <a:off x="822329" y="3003798"/>
+            <a:ext cx="7364412" cy="1584176"/>
             <a:chOff x="827088" y="5229201"/>
             <a:chExt cx="7364600" cy="924005"/>
           </a:xfrm>
@@ -7391,7 +7391,7 @@
                 <a:defRPr/>
               </a:pPr>
               <a:r>
-                <a:rPr kumimoji="0" lang="en-US" altLang="ko-KR" sz="1200" err="1">
+                <a:rPr kumimoji="0" lang="en-US" altLang="ko-KR" sz="1200" dirty="0" err="1">
                   <a:solidFill>
                     <a:srgbClr val="3F3F48"/>
                   </a:solidFill>
@@ -7400,23 +7400,189 @@
                 <a:t>Tensorflow</a:t>
               </a:r>
               <a:r>
-                <a:rPr kumimoji="0" lang="en-US" altLang="ko-KR" sz="1200">
+                <a:rPr kumimoji="0" lang="en-US" altLang="ko-KR" sz="1200" dirty="0">
                   <a:solidFill>
                     <a:srgbClr val="3F3F48"/>
                   </a:solidFill>
                   <a:latin typeface="+mn-ea"/>
                 </a:rPr>
-                <a:t> 2.10, </a:t>
+                <a:t> 2.10</a:t>
               </a:r>
               <a:r>
-                <a:rPr kumimoji="0" lang="en-US" altLang="ko-KR" sz="1200" dirty="0">
+                <a:rPr lang="en-US" altLang="ko-KR" sz="1200" dirty="0">
                   <a:solidFill>
                     <a:srgbClr val="3F3F48"/>
                   </a:solidFill>
                   <a:latin typeface="+mn-ea"/>
                 </a:rPr>
-                <a:t>…</a:t>
+                <a:t>, </a:t>
               </a:r>
+            </a:p>
+            <a:p>
+              <a:pPr marL="180000" fontAlgn="auto">
+                <a:lnSpc>
+                  <a:spcPct val="150000"/>
+                </a:lnSpc>
+                <a:spcBef>
+                  <a:spcPts val="0"/>
+                </a:spcBef>
+                <a:spcAft>
+                  <a:spcPts val="0"/>
+                </a:spcAft>
+                <a:defRPr/>
+              </a:pPr>
+              <a:r>
+                <a:rPr lang="en-US" altLang="ko-KR" sz="1200" dirty="0">
+                  <a:solidFill>
+                    <a:srgbClr val="3F3F48"/>
+                  </a:solidFill>
+                  <a:latin typeface="+mn-ea"/>
+                </a:rPr>
+                <a:t>Pandas</a:t>
+              </a:r>
+              <a:r>
+                <a:rPr lang="ko-KR" altLang="en-US" sz="1200" dirty="0">
+                  <a:solidFill>
+                    <a:srgbClr val="3F3F48"/>
+                  </a:solidFill>
+                  <a:latin typeface="+mn-ea"/>
+                </a:rPr>
+                <a:t> </a:t>
+              </a:r>
+              <a:r>
+                <a:rPr lang="en-US" altLang="ko-KR" sz="1200" dirty="0">
+                  <a:solidFill>
+                    <a:srgbClr val="3F3F48"/>
+                  </a:solidFill>
+                  <a:latin typeface="+mn-ea"/>
+                </a:rPr>
+                <a:t>1.5.3, </a:t>
+              </a:r>
+            </a:p>
+            <a:p>
+              <a:pPr marL="180000" fontAlgn="auto">
+                <a:lnSpc>
+                  <a:spcPct val="150000"/>
+                </a:lnSpc>
+                <a:spcBef>
+                  <a:spcPts val="0"/>
+                </a:spcBef>
+                <a:spcAft>
+                  <a:spcPts val="0"/>
+                </a:spcAft>
+                <a:defRPr/>
+              </a:pPr>
+              <a:r>
+                <a:rPr lang="en-US" altLang="ko-KR" sz="1200" dirty="0" err="1">
+                  <a:solidFill>
+                    <a:srgbClr val="3F3F48"/>
+                  </a:solidFill>
+                  <a:latin typeface="+mn-ea"/>
+                </a:rPr>
+                <a:t>Numpy</a:t>
+              </a:r>
+              <a:r>
+                <a:rPr lang="ko-KR" altLang="en-US" sz="1200" dirty="0">
+                  <a:solidFill>
+                    <a:srgbClr val="3F3F48"/>
+                  </a:solidFill>
+                  <a:latin typeface="+mn-ea"/>
+                </a:rPr>
+                <a:t> </a:t>
+              </a:r>
+              <a:r>
+                <a:rPr lang="en-US" altLang="ko-KR" sz="1200" dirty="0">
+                  <a:solidFill>
+                    <a:srgbClr val="3F3F48"/>
+                  </a:solidFill>
+                  <a:latin typeface="+mn-ea"/>
+                </a:rPr>
+                <a:t>1.24.4, </a:t>
+              </a:r>
+            </a:p>
+            <a:p>
+              <a:pPr marL="180000" fontAlgn="auto">
+                <a:lnSpc>
+                  <a:spcPct val="150000"/>
+                </a:lnSpc>
+                <a:spcBef>
+                  <a:spcPts val="0"/>
+                </a:spcBef>
+                <a:spcAft>
+                  <a:spcPts val="0"/>
+                </a:spcAft>
+                <a:defRPr/>
+              </a:pPr>
+              <a:r>
+                <a:rPr lang="en-US" altLang="ko-KR" sz="1200" dirty="0">
+                  <a:solidFill>
+                    <a:srgbClr val="3F3F48"/>
+                  </a:solidFill>
+                  <a:latin typeface="+mn-ea"/>
+                </a:rPr>
+                <a:t>Seaborn 0.12.2, </a:t>
+              </a:r>
+            </a:p>
+            <a:p>
+              <a:pPr marL="180000" fontAlgn="auto">
+                <a:lnSpc>
+                  <a:spcPct val="150000"/>
+                </a:lnSpc>
+                <a:spcBef>
+                  <a:spcPts val="0"/>
+                </a:spcBef>
+                <a:spcAft>
+                  <a:spcPts val="0"/>
+                </a:spcAft>
+                <a:defRPr/>
+              </a:pPr>
+              <a:r>
+                <a:rPr lang="en-US" altLang="ko-KR" sz="1200" dirty="0">
+                  <a:solidFill>
+                    <a:srgbClr val="3F3F48"/>
+                  </a:solidFill>
+                  <a:latin typeface="+mn-ea"/>
+                </a:rPr>
+                <a:t>S</a:t>
+              </a:r>
+              <a:r>
+                <a:rPr lang="en-US" altLang="ko-KR" sz="1200">
+                  <a:solidFill>
+                    <a:srgbClr val="3F3F48"/>
+                  </a:solidFill>
+                  <a:latin typeface="+mn-ea"/>
+                </a:rPr>
+                <a:t>elenium </a:t>
+              </a:r>
+              <a:r>
+                <a:rPr lang="en-US" altLang="ko-KR" sz="1200" dirty="0">
+                  <a:solidFill>
+                    <a:srgbClr val="3F3F48"/>
+                  </a:solidFill>
+                  <a:latin typeface="+mn-ea"/>
+                </a:rPr>
+                <a:t>4.27.1,</a:t>
+              </a:r>
+            </a:p>
+            <a:p>
+              <a:pPr marL="180000" fontAlgn="auto">
+                <a:lnSpc>
+                  <a:spcPct val="150000"/>
+                </a:lnSpc>
+                <a:spcBef>
+                  <a:spcPts val="0"/>
+                </a:spcBef>
+                <a:spcAft>
+                  <a:spcPts val="0"/>
+                </a:spcAft>
+                <a:defRPr/>
+              </a:pPr>
+              <a:endParaRPr lang="en-US" altLang="ko-KR" sz="1200" dirty="0">
+                <a:solidFill>
+                  <a:srgbClr val="3F3F48"/>
+                </a:solidFill>
+                <a:latin typeface="+mn-ea"/>
+              </a:endParaRPr>
             </a:p>
           </p:txBody>
         </p:sp>
@@ -7930,7 +8096,7 @@
                 <a:t> </a:t>
               </a:r>
               <a:r>
-                <a:rPr lang="en-US" altLang="ko-KR" sz="1200" err="1">
+                <a:rPr lang="en-US" altLang="ko-KR" sz="1200" dirty="0" err="1">
                   <a:solidFill>
                     <a:srgbClr val="3F3F48"/>
                   </a:solidFill>
@@ -7939,7 +8105,7 @@
                 <a:t>jyputer</a:t>
               </a:r>
               <a:r>
-                <a:rPr lang="en-US" altLang="ko-KR" sz="1200">
+                <a:rPr lang="en-US" altLang="ko-KR" sz="1200" dirty="0">
                   <a:solidFill>
                     <a:srgbClr val="3F3F48"/>
                   </a:solidFill>
@@ -7948,7 +8114,7 @@
                 <a:t> notebook(</a:t>
               </a:r>
               <a:r>
-                <a:rPr lang="ko-KR" altLang="en-US" sz="1200">
+                <a:rPr lang="ko-KR" altLang="en-US" sz="1200" dirty="0">
                   <a:solidFill>
                     <a:srgbClr val="3F3F48"/>
                   </a:solidFill>
@@ -7957,7 +8123,7 @@
                 <a:t>데이터정제 및 병합</a:t>
               </a:r>
               <a:r>
-                <a:rPr lang="en-US" altLang="ko-KR" sz="1200">
+                <a:rPr lang="en-US" altLang="ko-KR" sz="1200" dirty="0">
                   <a:solidFill>
                     <a:srgbClr val="3F3F48"/>
                   </a:solidFill>
@@ -7966,7 +8132,7 @@
                 <a:t>, </a:t>
               </a:r>
               <a:r>
-                <a:rPr lang="ko-KR" altLang="en-US" sz="1200">
+                <a:rPr lang="ko-KR" altLang="en-US" sz="1200" dirty="0">
                   <a:solidFill>
                     <a:srgbClr val="3F3F48"/>
                   </a:solidFill>
@@ -7975,7 +8141,7 @@
                 <a:t>그룹화</a:t>
               </a:r>
               <a:r>
-                <a:rPr lang="en-US" altLang="ko-KR" sz="1200">
+                <a:rPr lang="en-US" altLang="ko-KR" sz="1200" dirty="0">
                   <a:solidFill>
                     <a:srgbClr val="3F3F48"/>
                   </a:solidFill>
@@ -7984,7 +8150,7 @@
                 <a:t>, ML&amp;DL </a:t>
               </a:r>
               <a:r>
-                <a:rPr lang="ko-KR" altLang="en-US" sz="1200">
+                <a:rPr lang="ko-KR" altLang="en-US" sz="1200" dirty="0">
                   <a:solidFill>
                     <a:srgbClr val="3F3F48"/>
                   </a:solidFill>
@@ -7993,7 +8159,7 @@
                 <a:t>분석</a:t>
               </a:r>
               <a:r>
-                <a:rPr lang="en-US" altLang="ko-KR" sz="1200">
+                <a:rPr lang="en-US" altLang="ko-KR" sz="1200" dirty="0">
                   <a:solidFill>
                     <a:srgbClr val="3F3F48"/>
                   </a:solidFill>
@@ -8016,7 +8182,7 @@
                 <a:defRPr/>
               </a:pPr>
               <a:r>
-                <a:rPr lang="en-US" altLang="ko-KR" sz="1200">
+                <a:rPr lang="en-US" altLang="ko-KR" sz="1200" dirty="0">
                   <a:solidFill>
                     <a:srgbClr val="3F3F48"/>
                   </a:solidFill>
@@ -8025,7 +8191,7 @@
                 <a:t>PyCharm Community 2024.3.1(ML&amp;</a:t>
               </a:r>
               <a:r>
-                <a:rPr lang="ko-KR" altLang="en-US" sz="1200">
+                <a:rPr lang="ko-KR" altLang="en-US" sz="1200" dirty="0">
                   <a:solidFill>
                     <a:srgbClr val="3F3F48"/>
                   </a:solidFill>
@@ -8034,7 +8200,7 @@
                 <a:t>이 분석 및 웹 구현</a:t>
               </a:r>
               <a:r>
-                <a:rPr lang="en-US" altLang="ko-KR" sz="1200">
+                <a:rPr lang="en-US" altLang="ko-KR" sz="1200" dirty="0">
                   <a:solidFill>
                     <a:srgbClr val="3F3F48"/>
                   </a:solidFill>
@@ -8098,7 +8264,7 @@
           <a:lstStyle/>
           <a:p>
             <a:r>
-              <a:rPr lang="en-US" altLang="ko-KR" sz="1400" b="1">
+              <a:rPr lang="en-US" altLang="ko-KR" sz="1400" b="1" dirty="0">
                 <a:solidFill>
                   <a:srgbClr val="756B5F"/>
                 </a:solidFill>
@@ -8106,7 +8272,7 @@
               <a:t>5.  </a:t>
             </a:r>
             <a:r>
-              <a:rPr lang="ko-KR" altLang="en-US" sz="1400" b="1">
+              <a:rPr lang="ko-KR" altLang="en-US" sz="1400" b="1" dirty="0">
                 <a:solidFill>
                   <a:srgbClr val="756B5F"/>
                 </a:solidFill>
@@ -8114,7 +8280,7 @@
               <a:t>개발환경</a:t>
             </a:r>
             <a:r>
-              <a:rPr lang="en-US" altLang="ko-KR" sz="1400" b="1">
+              <a:rPr lang="en-US" altLang="ko-KR" sz="1400" b="1" dirty="0">
                 <a:solidFill>
                   <a:srgbClr val="756B5F"/>
                 </a:solidFill>
